--- a/docs/Figures.pptx
+++ b/docs/Figures.pptx
@@ -104,6 +104,11 @@
       </a:defRPr>
     </a:lvl9pPr>
   </p:defaultTextStyle>
+  <p:extLst>
+    <p:ext uri="{EFAFB233-063F-42B5-8137-9DF3F51BA10A}">
+      <p15:sldGuideLst xmlns:p15="http://schemas.microsoft.com/office/powerpoint/2012/main"/>
+    </p:ext>
+  </p:extLst>
 </p:presentation>
 </file>
 
@@ -5007,6 +5012,642 @@
           </a:fontRef>
         </p:style>
       </p:cxnSp>
+      <p:grpSp>
+        <p:nvGrpSpPr>
+          <p:cNvPr id="90" name="Group 89">
+            <a:extLst>
+              <a:ext uri="{FF2B5EF4-FFF2-40B4-BE49-F238E27FC236}">
+                <a16:creationId xmlns:a16="http://schemas.microsoft.com/office/drawing/2014/main" id="{F2539504-7C6A-4C6B-909F-F07F759C5DE7}"/>
+              </a:ext>
+            </a:extLst>
+          </p:cNvPr>
+          <p:cNvGrpSpPr/>
+          <p:nvPr/>
+        </p:nvGrpSpPr>
+        <p:grpSpPr>
+          <a:xfrm>
+            <a:off x="3225801" y="3374251"/>
+            <a:ext cx="396240" cy="279738"/>
+            <a:chOff x="975360" y="2320956"/>
+            <a:chExt cx="396240" cy="279738"/>
+          </a:xfrm>
+        </p:grpSpPr>
+        <p:sp>
+          <p:nvSpPr>
+            <p:cNvPr id="92" name="Rectangle: Rounded Corners 91">
+              <a:extLst>
+                <a:ext uri="{FF2B5EF4-FFF2-40B4-BE49-F238E27FC236}">
+                  <a16:creationId xmlns:a16="http://schemas.microsoft.com/office/drawing/2014/main" id="{D9759664-548D-43A9-BD00-986BA13F825F}"/>
+                </a:ext>
+              </a:extLst>
+            </p:cNvPr>
+            <p:cNvSpPr/>
+            <p:nvPr/>
+          </p:nvSpPr>
+          <p:spPr>
+            <a:xfrm>
+              <a:off x="975360" y="2320956"/>
+              <a:ext cx="396240" cy="279738"/>
+            </a:xfrm>
+            <a:prstGeom prst="roundRect">
+              <a:avLst/>
+            </a:prstGeom>
+            <a:solidFill>
+              <a:srgbClr val="FFFFCC"/>
+            </a:solidFill>
+            <a:ln w="19050" cap="flat" cmpd="sng" algn="ctr">
+              <a:solidFill>
+                <a:srgbClr val="133561">
+                  <a:shade val="50000"/>
+                </a:srgbClr>
+              </a:solidFill>
+              <a:prstDash val="solid"/>
+              <a:miter lim="800000"/>
+            </a:ln>
+            <a:effectLst/>
+          </p:spPr>
+          <p:txBody>
+            <a:bodyPr rtlCol="0" anchor="ctr"/>
+            <a:lstStyle/>
+            <a:p>
+              <a:pPr marL="0" marR="0" lvl="0" indent="0" algn="ctr" defTabSz="914400" eaLnBrk="1" fontAlgn="auto" latinLnBrk="0" hangingPunct="1">
+                <a:lnSpc>
+                  <a:spcPct val="100000"/>
+                </a:lnSpc>
+                <a:spcBef>
+                  <a:spcPts val="0"/>
+                </a:spcBef>
+                <a:spcAft>
+                  <a:spcPts val="0"/>
+                </a:spcAft>
+                <a:buClrTx/>
+                <a:buSzTx/>
+                <a:buFontTx/>
+                <a:buNone/>
+                <a:tabLst/>
+                <a:defRPr/>
+              </a:pPr>
+              <a:endParaRPr kumimoji="0" lang="en-US" sz="1800" b="0" i="0" u="none" strike="noStrike" kern="0" cap="none" spc="0" normalizeH="0" baseline="0" noProof="0">
+                <a:ln>
+                  <a:noFill/>
+                </a:ln>
+                <a:solidFill>
+                  <a:prstClr val="white"/>
+                </a:solidFill>
+                <a:effectLst/>
+                <a:uLnTx/>
+                <a:uFillTx/>
+                <a:latin typeface="Arial"/>
+                <a:ea typeface="+mn-ea"/>
+                <a:cs typeface="+mn-cs"/>
+              </a:endParaRPr>
+            </a:p>
+          </p:txBody>
+        </p:sp>
+        <p:cxnSp>
+          <p:nvCxnSpPr>
+            <p:cNvPr id="93" name="Straight Connector 92">
+              <a:extLst>
+                <a:ext uri="{FF2B5EF4-FFF2-40B4-BE49-F238E27FC236}">
+                  <a16:creationId xmlns:a16="http://schemas.microsoft.com/office/drawing/2014/main" id="{C0DF386A-A71A-41D4-81BE-48955677970C}"/>
+                </a:ext>
+              </a:extLst>
+            </p:cNvPr>
+            <p:cNvCxnSpPr>
+              <a:cxnSpLocks/>
+            </p:cNvCxnSpPr>
+            <p:nvPr/>
+          </p:nvCxnSpPr>
+          <p:spPr>
+            <a:xfrm>
+              <a:off x="996950" y="2330450"/>
+              <a:ext cx="174625" cy="203200"/>
+            </a:xfrm>
+            <a:prstGeom prst="line">
+              <a:avLst/>
+            </a:prstGeom>
+            <a:noFill/>
+            <a:ln w="19050" cap="rnd" cmpd="sng" algn="ctr">
+              <a:solidFill>
+                <a:srgbClr val="133561"/>
+              </a:solidFill>
+              <a:prstDash val="solid"/>
+              <a:round/>
+            </a:ln>
+            <a:effectLst/>
+          </p:spPr>
+        </p:cxnSp>
+        <p:cxnSp>
+          <p:nvCxnSpPr>
+            <p:cNvPr id="94" name="Straight Connector 93">
+              <a:extLst>
+                <a:ext uri="{FF2B5EF4-FFF2-40B4-BE49-F238E27FC236}">
+                  <a16:creationId xmlns:a16="http://schemas.microsoft.com/office/drawing/2014/main" id="{8EFDCECF-32B3-414B-B7CA-D74FA4019C35}"/>
+                </a:ext>
+              </a:extLst>
+            </p:cNvPr>
+            <p:cNvCxnSpPr>
+              <a:cxnSpLocks/>
+            </p:cNvCxnSpPr>
+            <p:nvPr/>
+          </p:nvCxnSpPr>
+          <p:spPr>
+            <a:xfrm flipH="1">
+              <a:off x="1171576" y="2336800"/>
+              <a:ext cx="177799" cy="196850"/>
+            </a:xfrm>
+            <a:prstGeom prst="line">
+              <a:avLst/>
+            </a:prstGeom>
+            <a:noFill/>
+            <a:ln w="19050" cap="rnd" cmpd="sng" algn="ctr">
+              <a:solidFill>
+                <a:srgbClr val="133561"/>
+              </a:solidFill>
+              <a:prstDash val="solid"/>
+              <a:round/>
+            </a:ln>
+            <a:effectLst/>
+          </p:spPr>
+        </p:cxnSp>
+      </p:grpSp>
+      <p:grpSp>
+        <p:nvGrpSpPr>
+          <p:cNvPr id="95" name="Group 94">
+            <a:extLst>
+              <a:ext uri="{FF2B5EF4-FFF2-40B4-BE49-F238E27FC236}">
+                <a16:creationId xmlns:a16="http://schemas.microsoft.com/office/drawing/2014/main" id="{ACA2263E-EF77-4B07-B8DC-81542B184771}"/>
+              </a:ext>
+            </a:extLst>
+          </p:cNvPr>
+          <p:cNvGrpSpPr/>
+          <p:nvPr/>
+        </p:nvGrpSpPr>
+        <p:grpSpPr>
+          <a:xfrm>
+            <a:off x="4498246" y="2306334"/>
+            <a:ext cx="396240" cy="279738"/>
+            <a:chOff x="975360" y="2320956"/>
+            <a:chExt cx="396240" cy="279738"/>
+          </a:xfrm>
+        </p:grpSpPr>
+        <p:sp>
+          <p:nvSpPr>
+            <p:cNvPr id="96" name="Rectangle: Rounded Corners 95">
+              <a:extLst>
+                <a:ext uri="{FF2B5EF4-FFF2-40B4-BE49-F238E27FC236}">
+                  <a16:creationId xmlns:a16="http://schemas.microsoft.com/office/drawing/2014/main" id="{FF0EC461-8764-4051-A6FE-20773AF50CBB}"/>
+                </a:ext>
+              </a:extLst>
+            </p:cNvPr>
+            <p:cNvSpPr/>
+            <p:nvPr/>
+          </p:nvSpPr>
+          <p:spPr>
+            <a:xfrm>
+              <a:off x="975360" y="2320956"/>
+              <a:ext cx="396240" cy="279738"/>
+            </a:xfrm>
+            <a:prstGeom prst="roundRect">
+              <a:avLst/>
+            </a:prstGeom>
+            <a:solidFill>
+              <a:srgbClr val="FFFFCC"/>
+            </a:solidFill>
+            <a:ln w="19050" cap="flat" cmpd="sng" algn="ctr">
+              <a:solidFill>
+                <a:srgbClr val="133561">
+                  <a:shade val="50000"/>
+                </a:srgbClr>
+              </a:solidFill>
+              <a:prstDash val="solid"/>
+              <a:miter lim="800000"/>
+            </a:ln>
+            <a:effectLst/>
+          </p:spPr>
+          <p:txBody>
+            <a:bodyPr rtlCol="0" anchor="ctr"/>
+            <a:lstStyle/>
+            <a:p>
+              <a:pPr marL="0" marR="0" lvl="0" indent="0" algn="ctr" defTabSz="914400" eaLnBrk="1" fontAlgn="auto" latinLnBrk="0" hangingPunct="1">
+                <a:lnSpc>
+                  <a:spcPct val="100000"/>
+                </a:lnSpc>
+                <a:spcBef>
+                  <a:spcPts val="0"/>
+                </a:spcBef>
+                <a:spcAft>
+                  <a:spcPts val="0"/>
+                </a:spcAft>
+                <a:buClrTx/>
+                <a:buSzTx/>
+                <a:buFontTx/>
+                <a:buNone/>
+                <a:tabLst/>
+                <a:defRPr/>
+              </a:pPr>
+              <a:endParaRPr kumimoji="0" lang="en-US" sz="1800" b="0" i="0" u="none" strike="noStrike" kern="0" cap="none" spc="0" normalizeH="0" baseline="0" noProof="0">
+                <a:ln>
+                  <a:noFill/>
+                </a:ln>
+                <a:solidFill>
+                  <a:prstClr val="white"/>
+                </a:solidFill>
+                <a:effectLst/>
+                <a:uLnTx/>
+                <a:uFillTx/>
+                <a:latin typeface="Arial"/>
+                <a:ea typeface="+mn-ea"/>
+                <a:cs typeface="+mn-cs"/>
+              </a:endParaRPr>
+            </a:p>
+          </p:txBody>
+        </p:sp>
+        <p:cxnSp>
+          <p:nvCxnSpPr>
+            <p:cNvPr id="97" name="Straight Connector 96">
+              <a:extLst>
+                <a:ext uri="{FF2B5EF4-FFF2-40B4-BE49-F238E27FC236}">
+                  <a16:creationId xmlns:a16="http://schemas.microsoft.com/office/drawing/2014/main" id="{1444F924-36C9-49C4-8074-BF34517501CA}"/>
+                </a:ext>
+              </a:extLst>
+            </p:cNvPr>
+            <p:cNvCxnSpPr>
+              <a:cxnSpLocks/>
+            </p:cNvCxnSpPr>
+            <p:nvPr/>
+          </p:nvCxnSpPr>
+          <p:spPr>
+            <a:xfrm>
+              <a:off x="996950" y="2330450"/>
+              <a:ext cx="174625" cy="203200"/>
+            </a:xfrm>
+            <a:prstGeom prst="line">
+              <a:avLst/>
+            </a:prstGeom>
+            <a:noFill/>
+            <a:ln w="19050" cap="rnd" cmpd="sng" algn="ctr">
+              <a:solidFill>
+                <a:srgbClr val="133561"/>
+              </a:solidFill>
+              <a:prstDash val="solid"/>
+              <a:round/>
+            </a:ln>
+            <a:effectLst/>
+          </p:spPr>
+        </p:cxnSp>
+        <p:cxnSp>
+          <p:nvCxnSpPr>
+            <p:cNvPr id="98" name="Straight Connector 97">
+              <a:extLst>
+                <a:ext uri="{FF2B5EF4-FFF2-40B4-BE49-F238E27FC236}">
+                  <a16:creationId xmlns:a16="http://schemas.microsoft.com/office/drawing/2014/main" id="{4D4B8EBF-A2A2-4826-81E8-71E2196EC885}"/>
+                </a:ext>
+              </a:extLst>
+            </p:cNvPr>
+            <p:cNvCxnSpPr>
+              <a:cxnSpLocks/>
+            </p:cNvCxnSpPr>
+            <p:nvPr/>
+          </p:nvCxnSpPr>
+          <p:spPr>
+            <a:xfrm flipH="1">
+              <a:off x="1171576" y="2336800"/>
+              <a:ext cx="177799" cy="196850"/>
+            </a:xfrm>
+            <a:prstGeom prst="line">
+              <a:avLst/>
+            </a:prstGeom>
+            <a:noFill/>
+            <a:ln w="19050" cap="rnd" cmpd="sng" algn="ctr">
+              <a:solidFill>
+                <a:srgbClr val="133561"/>
+              </a:solidFill>
+              <a:prstDash val="solid"/>
+              <a:round/>
+            </a:ln>
+            <a:effectLst/>
+          </p:spPr>
+        </p:cxnSp>
+      </p:grpSp>
+      <p:grpSp>
+        <p:nvGrpSpPr>
+          <p:cNvPr id="99" name="Group 98">
+            <a:extLst>
+              <a:ext uri="{FF2B5EF4-FFF2-40B4-BE49-F238E27FC236}">
+                <a16:creationId xmlns:a16="http://schemas.microsoft.com/office/drawing/2014/main" id="{CD06E545-D0A9-4E95-BB3E-3802A7916B3A}"/>
+              </a:ext>
+            </a:extLst>
+          </p:cNvPr>
+          <p:cNvGrpSpPr/>
+          <p:nvPr/>
+        </p:nvGrpSpPr>
+        <p:grpSpPr>
+          <a:xfrm>
+            <a:off x="8326236" y="3314622"/>
+            <a:ext cx="396240" cy="279738"/>
+            <a:chOff x="975360" y="2320956"/>
+            <a:chExt cx="396240" cy="279738"/>
+          </a:xfrm>
+        </p:grpSpPr>
+        <p:sp>
+          <p:nvSpPr>
+            <p:cNvPr id="100" name="Rectangle: Rounded Corners 99">
+              <a:extLst>
+                <a:ext uri="{FF2B5EF4-FFF2-40B4-BE49-F238E27FC236}">
+                  <a16:creationId xmlns:a16="http://schemas.microsoft.com/office/drawing/2014/main" id="{E9794BBD-361A-4B9B-8629-3BD481941AEB}"/>
+                </a:ext>
+              </a:extLst>
+            </p:cNvPr>
+            <p:cNvSpPr/>
+            <p:nvPr/>
+          </p:nvSpPr>
+          <p:spPr>
+            <a:xfrm>
+              <a:off x="975360" y="2320956"/>
+              <a:ext cx="396240" cy="279738"/>
+            </a:xfrm>
+            <a:prstGeom prst="roundRect">
+              <a:avLst/>
+            </a:prstGeom>
+            <a:solidFill>
+              <a:srgbClr val="FFFFCC"/>
+            </a:solidFill>
+            <a:ln w="19050" cap="flat" cmpd="sng" algn="ctr">
+              <a:solidFill>
+                <a:srgbClr val="133561">
+                  <a:shade val="50000"/>
+                </a:srgbClr>
+              </a:solidFill>
+              <a:prstDash val="solid"/>
+              <a:miter lim="800000"/>
+            </a:ln>
+            <a:effectLst/>
+          </p:spPr>
+          <p:txBody>
+            <a:bodyPr rtlCol="0" anchor="ctr"/>
+            <a:lstStyle/>
+            <a:p>
+              <a:pPr marL="0" marR="0" lvl="0" indent="0" algn="ctr" defTabSz="914400" eaLnBrk="1" fontAlgn="auto" latinLnBrk="0" hangingPunct="1">
+                <a:lnSpc>
+                  <a:spcPct val="100000"/>
+                </a:lnSpc>
+                <a:spcBef>
+                  <a:spcPts val="0"/>
+                </a:spcBef>
+                <a:spcAft>
+                  <a:spcPts val="0"/>
+                </a:spcAft>
+                <a:buClrTx/>
+                <a:buSzTx/>
+                <a:buFontTx/>
+                <a:buNone/>
+                <a:tabLst/>
+                <a:defRPr/>
+              </a:pPr>
+              <a:endParaRPr kumimoji="0" lang="en-US" sz="1800" b="0" i="0" u="none" strike="noStrike" kern="0" cap="none" spc="0" normalizeH="0" baseline="0" noProof="0">
+                <a:ln>
+                  <a:noFill/>
+                </a:ln>
+                <a:solidFill>
+                  <a:prstClr val="white"/>
+                </a:solidFill>
+                <a:effectLst/>
+                <a:uLnTx/>
+                <a:uFillTx/>
+                <a:latin typeface="Arial"/>
+                <a:ea typeface="+mn-ea"/>
+                <a:cs typeface="+mn-cs"/>
+              </a:endParaRPr>
+            </a:p>
+          </p:txBody>
+        </p:sp>
+        <p:cxnSp>
+          <p:nvCxnSpPr>
+            <p:cNvPr id="101" name="Straight Connector 100">
+              <a:extLst>
+                <a:ext uri="{FF2B5EF4-FFF2-40B4-BE49-F238E27FC236}">
+                  <a16:creationId xmlns:a16="http://schemas.microsoft.com/office/drawing/2014/main" id="{053CEB2A-105D-4D08-8AE4-E2456B372284}"/>
+                </a:ext>
+              </a:extLst>
+            </p:cNvPr>
+            <p:cNvCxnSpPr>
+              <a:cxnSpLocks/>
+            </p:cNvCxnSpPr>
+            <p:nvPr/>
+          </p:nvCxnSpPr>
+          <p:spPr>
+            <a:xfrm>
+              <a:off x="996950" y="2330450"/>
+              <a:ext cx="174625" cy="203200"/>
+            </a:xfrm>
+            <a:prstGeom prst="line">
+              <a:avLst/>
+            </a:prstGeom>
+            <a:noFill/>
+            <a:ln w="19050" cap="rnd" cmpd="sng" algn="ctr">
+              <a:solidFill>
+                <a:srgbClr val="133561"/>
+              </a:solidFill>
+              <a:prstDash val="solid"/>
+              <a:round/>
+            </a:ln>
+            <a:effectLst/>
+          </p:spPr>
+        </p:cxnSp>
+        <p:cxnSp>
+          <p:nvCxnSpPr>
+            <p:cNvPr id="102" name="Straight Connector 101">
+              <a:extLst>
+                <a:ext uri="{FF2B5EF4-FFF2-40B4-BE49-F238E27FC236}">
+                  <a16:creationId xmlns:a16="http://schemas.microsoft.com/office/drawing/2014/main" id="{233C697E-802E-4183-BB53-3014D8475128}"/>
+                </a:ext>
+              </a:extLst>
+            </p:cNvPr>
+            <p:cNvCxnSpPr>
+              <a:cxnSpLocks/>
+            </p:cNvCxnSpPr>
+            <p:nvPr/>
+          </p:nvCxnSpPr>
+          <p:spPr>
+            <a:xfrm flipH="1">
+              <a:off x="1171576" y="2336800"/>
+              <a:ext cx="177799" cy="196850"/>
+            </a:xfrm>
+            <a:prstGeom prst="line">
+              <a:avLst/>
+            </a:prstGeom>
+            <a:noFill/>
+            <a:ln w="19050" cap="rnd" cmpd="sng" algn="ctr">
+              <a:solidFill>
+                <a:srgbClr val="133561"/>
+              </a:solidFill>
+              <a:prstDash val="solid"/>
+              <a:round/>
+            </a:ln>
+            <a:effectLst/>
+          </p:spPr>
+        </p:cxnSp>
+      </p:grpSp>
+      <p:grpSp>
+        <p:nvGrpSpPr>
+          <p:cNvPr id="103" name="Group 102">
+            <a:extLst>
+              <a:ext uri="{FF2B5EF4-FFF2-40B4-BE49-F238E27FC236}">
+                <a16:creationId xmlns:a16="http://schemas.microsoft.com/office/drawing/2014/main" id="{E8396747-6F98-4F93-ACF0-801F11B26AC1}"/>
+              </a:ext>
+            </a:extLst>
+          </p:cNvPr>
+          <p:cNvGrpSpPr/>
+          <p:nvPr/>
+        </p:nvGrpSpPr>
+        <p:grpSpPr>
+          <a:xfrm>
+            <a:off x="7076322" y="2306334"/>
+            <a:ext cx="396240" cy="279738"/>
+            <a:chOff x="975360" y="2320956"/>
+            <a:chExt cx="396240" cy="279738"/>
+          </a:xfrm>
+        </p:grpSpPr>
+        <p:sp>
+          <p:nvSpPr>
+            <p:cNvPr id="104" name="Rectangle: Rounded Corners 103">
+              <a:extLst>
+                <a:ext uri="{FF2B5EF4-FFF2-40B4-BE49-F238E27FC236}">
+                  <a16:creationId xmlns:a16="http://schemas.microsoft.com/office/drawing/2014/main" id="{FB4D8694-0D7A-42E6-8247-0760C3351CE1}"/>
+                </a:ext>
+              </a:extLst>
+            </p:cNvPr>
+            <p:cNvSpPr/>
+            <p:nvPr/>
+          </p:nvSpPr>
+          <p:spPr>
+            <a:xfrm>
+              <a:off x="975360" y="2320956"/>
+              <a:ext cx="396240" cy="279738"/>
+            </a:xfrm>
+            <a:prstGeom prst="roundRect">
+              <a:avLst/>
+            </a:prstGeom>
+            <a:solidFill>
+              <a:srgbClr val="FFFFCC"/>
+            </a:solidFill>
+            <a:ln w="19050" cap="flat" cmpd="sng" algn="ctr">
+              <a:solidFill>
+                <a:srgbClr val="133561">
+                  <a:shade val="50000"/>
+                </a:srgbClr>
+              </a:solidFill>
+              <a:prstDash val="solid"/>
+              <a:miter lim="800000"/>
+            </a:ln>
+            <a:effectLst/>
+          </p:spPr>
+          <p:txBody>
+            <a:bodyPr rtlCol="0" anchor="ctr"/>
+            <a:lstStyle/>
+            <a:p>
+              <a:pPr marL="0" marR="0" lvl="0" indent="0" algn="ctr" defTabSz="914400" eaLnBrk="1" fontAlgn="auto" latinLnBrk="0" hangingPunct="1">
+                <a:lnSpc>
+                  <a:spcPct val="100000"/>
+                </a:lnSpc>
+                <a:spcBef>
+                  <a:spcPts val="0"/>
+                </a:spcBef>
+                <a:spcAft>
+                  <a:spcPts val="0"/>
+                </a:spcAft>
+                <a:buClrTx/>
+                <a:buSzTx/>
+                <a:buFontTx/>
+                <a:buNone/>
+                <a:tabLst/>
+                <a:defRPr/>
+              </a:pPr>
+              <a:endParaRPr kumimoji="0" lang="en-US" sz="1800" b="0" i="0" u="none" strike="noStrike" kern="0" cap="none" spc="0" normalizeH="0" baseline="0" noProof="0">
+                <a:ln>
+                  <a:noFill/>
+                </a:ln>
+                <a:solidFill>
+                  <a:prstClr val="white"/>
+                </a:solidFill>
+                <a:effectLst/>
+                <a:uLnTx/>
+                <a:uFillTx/>
+                <a:latin typeface="Arial"/>
+                <a:ea typeface="+mn-ea"/>
+                <a:cs typeface="+mn-cs"/>
+              </a:endParaRPr>
+            </a:p>
+          </p:txBody>
+        </p:sp>
+        <p:cxnSp>
+          <p:nvCxnSpPr>
+            <p:cNvPr id="105" name="Straight Connector 104">
+              <a:extLst>
+                <a:ext uri="{FF2B5EF4-FFF2-40B4-BE49-F238E27FC236}">
+                  <a16:creationId xmlns:a16="http://schemas.microsoft.com/office/drawing/2014/main" id="{A5E3A06B-DD72-4A0B-AC31-E384D2B1890D}"/>
+                </a:ext>
+              </a:extLst>
+            </p:cNvPr>
+            <p:cNvCxnSpPr>
+              <a:cxnSpLocks/>
+            </p:cNvCxnSpPr>
+            <p:nvPr/>
+          </p:nvCxnSpPr>
+          <p:spPr>
+            <a:xfrm>
+              <a:off x="996950" y="2330450"/>
+              <a:ext cx="174625" cy="203200"/>
+            </a:xfrm>
+            <a:prstGeom prst="line">
+              <a:avLst/>
+            </a:prstGeom>
+            <a:noFill/>
+            <a:ln w="19050" cap="rnd" cmpd="sng" algn="ctr">
+              <a:solidFill>
+                <a:srgbClr val="133561"/>
+              </a:solidFill>
+              <a:prstDash val="solid"/>
+              <a:round/>
+            </a:ln>
+            <a:effectLst/>
+          </p:spPr>
+        </p:cxnSp>
+        <p:cxnSp>
+          <p:nvCxnSpPr>
+            <p:cNvPr id="106" name="Straight Connector 105">
+              <a:extLst>
+                <a:ext uri="{FF2B5EF4-FFF2-40B4-BE49-F238E27FC236}">
+                  <a16:creationId xmlns:a16="http://schemas.microsoft.com/office/drawing/2014/main" id="{46284723-4537-4889-8D90-8380F227A87E}"/>
+                </a:ext>
+              </a:extLst>
+            </p:cNvPr>
+            <p:cNvCxnSpPr>
+              <a:cxnSpLocks/>
+            </p:cNvCxnSpPr>
+            <p:nvPr/>
+          </p:nvCxnSpPr>
+          <p:spPr>
+            <a:xfrm flipH="1">
+              <a:off x="1171576" y="2336800"/>
+              <a:ext cx="177799" cy="196850"/>
+            </a:xfrm>
+            <a:prstGeom prst="line">
+              <a:avLst/>
+            </a:prstGeom>
+            <a:noFill/>
+            <a:ln w="19050" cap="rnd" cmpd="sng" algn="ctr">
+              <a:solidFill>
+                <a:srgbClr val="133561"/>
+              </a:solidFill>
+              <a:prstDash val="solid"/>
+              <a:round/>
+            </a:ln>
+            <a:effectLst/>
+          </p:spPr>
+        </p:cxnSp>
+      </p:grpSp>
     </p:spTree>
     <p:extLst>
       <p:ext uri="{BB962C8B-B14F-4D97-AF65-F5344CB8AC3E}">
@@ -5017,6 +5658,165 @@
   <p:clrMapOvr>
     <a:masterClrMapping/>
   </p:clrMapOvr>
+  <p:timing>
+    <p:tnLst>
+      <p:par>
+        <p:cTn id="1" dur="indefinite" restart="never" nodeType="tmRoot">
+          <p:childTnLst>
+            <p:seq concurrent="1" nextAc="seek">
+              <p:cTn id="2" dur="indefinite" nodeType="mainSeq">
+                <p:childTnLst>
+                  <p:par>
+                    <p:cTn id="3" fill="hold">
+                      <p:stCondLst>
+                        <p:cond delay="indefinite"/>
+                        <p:cond evt="onBegin" delay="0">
+                          <p:tn val="2"/>
+                        </p:cond>
+                      </p:stCondLst>
+                      <p:childTnLst>
+                        <p:par>
+                          <p:cTn id="4" fill="hold">
+                            <p:stCondLst>
+                              <p:cond delay="0"/>
+                            </p:stCondLst>
+                            <p:childTnLst>
+                              <p:par>
+                                <p:cTn id="5" presetID="1" presetClass="entr" presetSubtype="0" fill="hold" nodeType="withEffect">
+                                  <p:stCondLst>
+                                    <p:cond delay="0"/>
+                                  </p:stCondLst>
+                                  <p:childTnLst>
+                                    <p:set>
+                                      <p:cBhvr>
+                                        <p:cTn id="6" dur="1" fill="hold">
+                                          <p:stCondLst>
+                                            <p:cond delay="0"/>
+                                          </p:stCondLst>
+                                        </p:cTn>
+                                        <p:tgtEl>
+                                          <p:spTgt spid="90"/>
+                                        </p:tgtEl>
+                                        <p:attrNameLst>
+                                          <p:attrName>style.visibility</p:attrName>
+                                        </p:attrNameLst>
+                                      </p:cBhvr>
+                                      <p:to>
+                                        <p:strVal val="visible"/>
+                                      </p:to>
+                                    </p:set>
+                                  </p:childTnLst>
+                                </p:cTn>
+                              </p:par>
+                              <p:par>
+                                <p:cTn id="7" presetID="1" presetClass="entr" presetSubtype="0" fill="hold" nodeType="withEffect">
+                                  <p:stCondLst>
+                                    <p:cond delay="0"/>
+                                  </p:stCondLst>
+                                  <p:childTnLst>
+                                    <p:set>
+                                      <p:cBhvr>
+                                        <p:cTn id="8" dur="1" fill="hold">
+                                          <p:stCondLst>
+                                            <p:cond delay="0"/>
+                                          </p:stCondLst>
+                                        </p:cTn>
+                                        <p:tgtEl>
+                                          <p:spTgt spid="95"/>
+                                        </p:tgtEl>
+                                        <p:attrNameLst>
+                                          <p:attrName>style.visibility</p:attrName>
+                                        </p:attrNameLst>
+                                      </p:cBhvr>
+                                      <p:to>
+                                        <p:strVal val="visible"/>
+                                      </p:to>
+                                    </p:set>
+                                  </p:childTnLst>
+                                </p:cTn>
+                              </p:par>
+                              <p:par>
+                                <p:cTn id="9" presetID="1" presetClass="entr" presetSubtype="0" fill="hold" nodeType="withEffect">
+                                  <p:stCondLst>
+                                    <p:cond delay="0"/>
+                                  </p:stCondLst>
+                                  <p:childTnLst>
+                                    <p:set>
+                                      <p:cBhvr>
+                                        <p:cTn id="10" dur="1" fill="hold">
+                                          <p:stCondLst>
+                                            <p:cond delay="0"/>
+                                          </p:stCondLst>
+                                        </p:cTn>
+                                        <p:tgtEl>
+                                          <p:spTgt spid="99"/>
+                                        </p:tgtEl>
+                                        <p:attrNameLst>
+                                          <p:attrName>style.visibility</p:attrName>
+                                        </p:attrNameLst>
+                                      </p:cBhvr>
+                                      <p:to>
+                                        <p:strVal val="visible"/>
+                                      </p:to>
+                                    </p:set>
+                                  </p:childTnLst>
+                                </p:cTn>
+                              </p:par>
+                              <p:par>
+                                <p:cTn id="11" presetID="1" presetClass="entr" presetSubtype="0" fill="hold" nodeType="withEffect">
+                                  <p:stCondLst>
+                                    <p:cond delay="0"/>
+                                  </p:stCondLst>
+                                  <p:childTnLst>
+                                    <p:set>
+                                      <p:cBhvr>
+                                        <p:cTn id="12" dur="1" fill="hold">
+                                          <p:stCondLst>
+                                            <p:cond delay="0"/>
+                                          </p:stCondLst>
+                                        </p:cTn>
+                                        <p:tgtEl>
+                                          <p:spTgt spid="103"/>
+                                        </p:tgtEl>
+                                        <p:attrNameLst>
+                                          <p:attrName>style.visibility</p:attrName>
+                                        </p:attrNameLst>
+                                      </p:cBhvr>
+                                      <p:to>
+                                        <p:strVal val="visible"/>
+                                      </p:to>
+                                    </p:set>
+                                  </p:childTnLst>
+                                </p:cTn>
+                              </p:par>
+                            </p:childTnLst>
+                          </p:cTn>
+                        </p:par>
+                      </p:childTnLst>
+                    </p:cTn>
+                  </p:par>
+                </p:childTnLst>
+              </p:cTn>
+              <p:prevCondLst>
+                <p:cond evt="onPrev" delay="0">
+                  <p:tgtEl>
+                    <p:sldTgt/>
+                  </p:tgtEl>
+                </p:cond>
+              </p:prevCondLst>
+              <p:nextCondLst>
+                <p:cond evt="onNext" delay="0">
+                  <p:tgtEl>
+                    <p:sldTgt/>
+                  </p:tgtEl>
+                </p:cond>
+              </p:nextCondLst>
+            </p:seq>
+          </p:childTnLst>
+        </p:cTn>
+      </p:par>
+    </p:tnLst>
+  </p:timing>
 </p:sld>
 </file>
 
